--- a/Explore Poster.pptx
+++ b/Explore Poster.pptx
@@ -104,6 +104,11 @@
       </a:defRPr>
     </a:lvl9pPr>
   </p:defaultTextStyle>
+  <p:extLst>
+    <p:ext uri="{EFAFB233-063F-42B5-8137-9DF3F51BA10A}">
+      <p15:sldGuideLst xmlns:p15="http://schemas.microsoft.com/office/powerpoint/2012/main"/>
+    </p:ext>
+  </p:extLst>
 </p:presentation>
 </file>
 
@@ -339,7 +344,7 @@
           <a:p>
             <a:fld id="{11056F2B-227D-4C05-8C7F-CEC153307559}" type="datetimeFigureOut">
               <a:rPr lang="en-US" smtClean="0"/>
-              <a:t>9/21/2019</a:t>
+              <a:t>12/4/2019</a:t>
             </a:fld>
             <a:endParaRPr lang="en-US"/>
           </a:p>
@@ -509,7 +514,7 @@
           <a:p>
             <a:fld id="{11056F2B-227D-4C05-8C7F-CEC153307559}" type="datetimeFigureOut">
               <a:rPr lang="en-US" smtClean="0"/>
-              <a:t>9/21/2019</a:t>
+              <a:t>12/4/2019</a:t>
             </a:fld>
             <a:endParaRPr lang="en-US"/>
           </a:p>
@@ -689,7 +694,7 @@
           <a:p>
             <a:fld id="{11056F2B-227D-4C05-8C7F-CEC153307559}" type="datetimeFigureOut">
               <a:rPr lang="en-US" smtClean="0"/>
-              <a:t>9/21/2019</a:t>
+              <a:t>12/4/2019</a:t>
             </a:fld>
             <a:endParaRPr lang="en-US"/>
           </a:p>
@@ -859,7 +864,7 @@
           <a:p>
             <a:fld id="{11056F2B-227D-4C05-8C7F-CEC153307559}" type="datetimeFigureOut">
               <a:rPr lang="en-US" smtClean="0"/>
-              <a:t>9/21/2019</a:t>
+              <a:t>12/4/2019</a:t>
             </a:fld>
             <a:endParaRPr lang="en-US"/>
           </a:p>
@@ -1103,7 +1108,7 @@
           <a:p>
             <a:fld id="{11056F2B-227D-4C05-8C7F-CEC153307559}" type="datetimeFigureOut">
               <a:rPr lang="en-US" smtClean="0"/>
-              <a:t>9/21/2019</a:t>
+              <a:t>12/4/2019</a:t>
             </a:fld>
             <a:endParaRPr lang="en-US"/>
           </a:p>
@@ -1335,7 +1340,7 @@
           <a:p>
             <a:fld id="{11056F2B-227D-4C05-8C7F-CEC153307559}" type="datetimeFigureOut">
               <a:rPr lang="en-US" smtClean="0"/>
-              <a:t>9/21/2019</a:t>
+              <a:t>12/4/2019</a:t>
             </a:fld>
             <a:endParaRPr lang="en-US"/>
           </a:p>
@@ -1702,7 +1707,7 @@
           <a:p>
             <a:fld id="{11056F2B-227D-4C05-8C7F-CEC153307559}" type="datetimeFigureOut">
               <a:rPr lang="en-US" smtClean="0"/>
-              <a:t>9/21/2019</a:t>
+              <a:t>12/4/2019</a:t>
             </a:fld>
             <a:endParaRPr lang="en-US"/>
           </a:p>
@@ -1820,7 +1825,7 @@
           <a:p>
             <a:fld id="{11056F2B-227D-4C05-8C7F-CEC153307559}" type="datetimeFigureOut">
               <a:rPr lang="en-US" smtClean="0"/>
-              <a:t>9/21/2019</a:t>
+              <a:t>12/4/2019</a:t>
             </a:fld>
             <a:endParaRPr lang="en-US"/>
           </a:p>
@@ -1915,7 +1920,7 @@
           <a:p>
             <a:fld id="{11056F2B-227D-4C05-8C7F-CEC153307559}" type="datetimeFigureOut">
               <a:rPr lang="en-US" smtClean="0"/>
-              <a:t>9/21/2019</a:t>
+              <a:t>12/4/2019</a:t>
             </a:fld>
             <a:endParaRPr lang="en-US"/>
           </a:p>
@@ -2192,7 +2197,7 @@
           <a:p>
             <a:fld id="{11056F2B-227D-4C05-8C7F-CEC153307559}" type="datetimeFigureOut">
               <a:rPr lang="en-US" smtClean="0"/>
-              <a:t>9/21/2019</a:t>
+              <a:t>12/4/2019</a:t>
             </a:fld>
             <a:endParaRPr lang="en-US"/>
           </a:p>
@@ -2449,7 +2454,7 @@
           <a:p>
             <a:fld id="{11056F2B-227D-4C05-8C7F-CEC153307559}" type="datetimeFigureOut">
               <a:rPr lang="en-US" smtClean="0"/>
-              <a:t>9/21/2019</a:t>
+              <a:t>12/4/2019</a:t>
             </a:fld>
             <a:endParaRPr lang="en-US"/>
           </a:p>
@@ -2662,7 +2667,7 @@
           <a:p>
             <a:fld id="{11056F2B-227D-4C05-8C7F-CEC153307559}" type="datetimeFigureOut">
               <a:rPr lang="en-US" smtClean="0"/>
-              <a:t>9/21/2019</a:t>
+              <a:t>12/4/2019</a:t>
             </a:fld>
             <a:endParaRPr lang="en-US"/>
           </a:p>
@@ -3082,7 +3087,7 @@
         <p:spPr>
           <a:xfrm>
             <a:off x="2461491" y="0"/>
-            <a:ext cx="4221018" cy="369332"/>
+            <a:ext cx="4221018" cy="584775"/>
           </a:xfrm>
           <a:prstGeom prst="rect">
             <a:avLst/>
@@ -3099,6 +3104,13 @@
             <a:r>
               <a:rPr lang="en-US" dirty="0"/>
               <a:t>The Internet of Things</a:t>
+            </a:r>
+          </a:p>
+          <a:p>
+            <a:pPr algn="ctr"/>
+            <a:r>
+              <a:rPr lang="en-US" sz="1400" dirty="0"/>
+              <a:t>By Brendan Uebelhoer</a:t>
             </a:r>
           </a:p>
         </p:txBody>
